--- a/Unidad 1/Clases/C1-4/C1-3  Manipulación de datos.pptx
+++ b/Unidad 1/Clases/C1-4/C1-3  Manipulación de datos.pptx
@@ -3943,7 +3943,7 @@
                   </a:schemeClr>
                 </a:solidFill>
               </a:rPr>
-              <a:t>19-octubre-2020</a:t>
+              <a:t>21-octubre-2020</a:t>
             </a:r>
           </a:p>
         </p:txBody>
@@ -6540,13 +6540,14 @@
               <a:t>Función </a:t>
             </a:r>
             <a:r>
-              <a:rPr lang="es-EC" b="1" dirty="0" err="1">
+              <a:rPr lang="es-EC" b="1" i="0" dirty="0" err="1">
                 <a:solidFill>
                   <a:schemeClr val="bg1"/>
                 </a:solidFill>
+                <a:effectLst/>
                 <a:latin typeface="Consolas" panose="020B0609020204030204" pitchFamily="49" charset="0"/>
               </a:rPr>
-              <a:t>mutate</a:t>
+              <a:t>summarise</a:t>
             </a:r>
             <a:endParaRPr lang="es-EC" b="1" i="0" dirty="0">
               <a:solidFill>
@@ -7297,13 +7298,14 @@
               <a:t>Función </a:t>
             </a:r>
             <a:r>
-              <a:rPr lang="es-EC" sz="2000" b="1" dirty="0" err="1">
+              <a:rPr lang="es-EC" sz="2000" b="1" i="0" dirty="0" err="1">
                 <a:solidFill>
                   <a:schemeClr val="bg1"/>
                 </a:solidFill>
+                <a:effectLst/>
                 <a:latin typeface="Consolas" panose="020B0609020204030204" pitchFamily="49" charset="0"/>
               </a:rPr>
-              <a:t>mutate</a:t>
+              <a:t>group_by</a:t>
             </a:r>
             <a:endParaRPr lang="es-EC" sz="2000" b="1" i="0" dirty="0">
               <a:solidFill>
